--- a/documentation/CLASSModeler-Presentation.pptx
+++ b/documentation/CLASSModeler-Presentation.pptx
@@ -18685,21 +18685,8 @@
                   <a:schemeClr val="tx1"/>
                 </a:solidFill>
               </a:rPr>
-              <a:t>ESPECIFICACIÓN DE </a:t>
+              <a:t>ESPECIFICACIÓN DE FUNCIONALIDAD</a:t>
             </a:r>
-            <a:r>
-              <a:rPr lang="es-CO" sz="2800" b="1" dirty="0" smtClean="0">
-                <a:solidFill>
-                  <a:schemeClr val="tx1"/>
-                </a:solidFill>
-              </a:rPr>
-              <a:t>FUNCIONALIDAD</a:t>
-            </a:r>
-            <a:endParaRPr lang="es-CO" sz="2800" b="1" dirty="0" smtClean="0">
-              <a:solidFill>
-                <a:schemeClr val="tx1"/>
-              </a:solidFill>
-            </a:endParaRPr>
           </a:p>
           <a:p>
             <a:pPr algn="ctr"/>
@@ -19531,777 +19518,886 @@
           </a:p>
         </p:txBody>
       </p:sp>
-      <p:pic>
-        <p:nvPicPr>
-          <p:cNvPr id="4" name="Picture 2" descr="dati legge190"/>
-          <p:cNvPicPr>
-            <a:picLocks noChangeAspect="1" noChangeArrowheads="1"/>
-          </p:cNvPicPr>
+      <p:grpSp>
+        <p:nvGrpSpPr>
+          <p:cNvPr id="16" name="15 Grupo"/>
+          <p:cNvGrpSpPr/>
           <p:nvPr/>
-        </p:nvPicPr>
-        <p:blipFill>
-          <a:blip r:embed="rId4">
+        </p:nvGrpSpPr>
+        <p:grpSpPr>
+          <a:xfrm>
+            <a:off x="827584" y="2060848"/>
+            <a:ext cx="7413341" cy="4176464"/>
+            <a:chOff x="827584" y="2060848"/>
+            <a:chExt cx="7413341" cy="4176464"/>
+          </a:xfrm>
+        </p:grpSpPr>
+        <p:sp>
+          <p:nvSpPr>
+            <p:cNvPr id="5" name="4 Flecha derecha"/>
+            <p:cNvSpPr/>
+            <p:nvPr/>
+          </p:nvSpPr>
+          <p:spPr bwMode="auto">
+            <a:xfrm>
+              <a:off x="2987799" y="3573016"/>
+              <a:ext cx="432073" cy="432048"/>
+            </a:xfrm>
+            <a:prstGeom prst="rightArrow">
+              <a:avLst/>
+            </a:prstGeom>
+            <a:solidFill>
+              <a:srgbClr val="00B8FF"/>
+            </a:solidFill>
+            <a:ln w="9525" cap="flat" cmpd="sng" algn="ctr">
+              <a:solidFill>
+                <a:schemeClr val="tx1"/>
+              </a:solidFill>
+              <a:prstDash val="solid"/>
+              <a:round/>
+              <a:headEnd type="none" w="med" len="med"/>
+              <a:tailEnd type="none" w="med" len="med"/>
+            </a:ln>
+            <a:effectLst/>
             <a:extLst>
-              <a:ext uri="{28A0092B-C50C-407E-A947-70E740481C1C}">
-                <a14:useLocalDpi xmlns:a14="http://schemas.microsoft.com/office/drawing/2010/main" val="0"/>
+              <a:ext uri="{AF507438-7753-43E0-B8FC-AC1667EBCBE1}">
+                <a14:hiddenEffects xmlns:a14="http://schemas.microsoft.com/office/drawing/2010/main">
+                  <a:effectLst>
+                    <a:outerShdw dist="35921" dir="2700000" algn="ctr" rotWithShape="0">
+                      <a:schemeClr val="bg2"/>
+                    </a:outerShdw>
+                  </a:effectLst>
+                </a14:hiddenEffects>
               </a:ext>
             </a:extLst>
-          </a:blip>
-          <a:srcRect/>
-          <a:stretch>
-            <a:fillRect/>
-          </a:stretch>
-        </p:blipFill>
-        <p:spPr bwMode="auto">
-          <a:xfrm>
-            <a:off x="827584" y="3140968"/>
-            <a:ext cx="1219200" cy="1219201"/>
-          </a:xfrm>
-          <a:prstGeom prst="rect">
-            <a:avLst/>
-          </a:prstGeom>
-          <a:noFill/>
-          <a:extLst>
-            <a:ext uri="{909E8E84-426E-40DD-AFC4-6F175D3DCCD1}">
-              <a14:hiddenFill xmlns:a14="http://schemas.microsoft.com/office/drawing/2010/main">
-                <a:solidFill>
-                  <a:srgbClr val="FFFFFF"/>
-                </a:solidFill>
-              </a14:hiddenFill>
-            </a:ext>
-          </a:extLst>
-        </p:spPr>
-      </p:pic>
-      <p:sp>
-        <p:nvSpPr>
-          <p:cNvPr id="5" name="4 Flecha derecha"/>
-          <p:cNvSpPr/>
-          <p:nvPr/>
-        </p:nvSpPr>
-        <p:spPr bwMode="auto">
-          <a:xfrm>
-            <a:off x="2483743" y="3573016"/>
-            <a:ext cx="432073" cy="432048"/>
-          </a:xfrm>
-          <a:prstGeom prst="rightArrow">
-            <a:avLst/>
-          </a:prstGeom>
-          <a:solidFill>
-            <a:srgbClr val="00B8FF"/>
-          </a:solidFill>
-          <a:ln w="9525" cap="flat" cmpd="sng" algn="ctr">
+          </p:spPr>
+          <p:txBody>
+            <a:bodyPr vert="horz" wrap="square" lIns="91440" tIns="45720" rIns="91440" bIns="45720" numCol="1" rtlCol="0" anchor="t" anchorCtr="0" compatLnSpc="1">
+              <a:prstTxWarp prst="textNoShape">
+                <a:avLst/>
+              </a:prstTxWarp>
+            </a:bodyPr>
+            <a:lstStyle/>
+            <a:p>
+              <a:pPr marL="0" marR="0" indent="0" algn="l" defTabSz="449263" rtl="0" eaLnBrk="1" fontAlgn="base" latinLnBrk="0" hangingPunct="1">
+                <a:lnSpc>
+                  <a:spcPct val="100000"/>
+                </a:lnSpc>
+                <a:spcBef>
+                  <a:spcPct val="0"/>
+                </a:spcBef>
+                <a:spcAft>
+                  <a:spcPct val="0"/>
+                </a:spcAft>
+                <a:buClr>
+                  <a:srgbClr val="000000"/>
+                </a:buClr>
+                <a:buSzPct val="100000"/>
+                <a:buFont typeface="Times New Roman" pitchFamily="16" charset="0"/>
+                <a:buNone/>
+                <a:tabLst/>
+              </a:pPr>
+              <a:endParaRPr kumimoji="0" lang="es-CO" sz="1800" b="0" i="0" u="none" strike="noStrike" cap="none" normalizeH="0" baseline="0" smtClean="0">
+                <a:ln>
+                  <a:noFill/>
+                </a:ln>
+                <a:solidFill>
+                  <a:schemeClr val="bg1"/>
+                </a:solidFill>
+                <a:effectLst/>
+                <a:latin typeface="Calibri" pitchFamily="32" charset="0"/>
+              </a:endParaRPr>
+            </a:p>
+          </p:txBody>
+        </p:sp>
+        <p:grpSp>
+          <p:nvGrpSpPr>
+            <p:cNvPr id="14" name="13 Grupo"/>
+            <p:cNvGrpSpPr/>
+            <p:nvPr/>
+          </p:nvGrpSpPr>
+          <p:grpSpPr>
+            <a:xfrm>
+              <a:off x="3611801" y="2060848"/>
+              <a:ext cx="2544375" cy="4176464"/>
+              <a:chOff x="3611801" y="2060848"/>
+              <a:chExt cx="2544375" cy="4176464"/>
+            </a:xfrm>
+          </p:grpSpPr>
+          <p:sp>
+            <p:nvSpPr>
+              <p:cNvPr id="6" name="5 Rectángulo redondeado"/>
+              <p:cNvSpPr/>
+              <p:nvPr/>
+            </p:nvSpPr>
+            <p:spPr bwMode="auto">
+              <a:xfrm>
+                <a:off x="3611801" y="2060848"/>
+                <a:ext cx="2506894" cy="648072"/>
+              </a:xfrm>
+              <a:prstGeom prst="roundRect">
+                <a:avLst/>
+              </a:prstGeom>
+              <a:ln>
+                <a:headEnd type="none" w="med" len="med"/>
+                <a:tailEnd type="none" w="med" len="med"/>
+              </a:ln>
+              <a:extLst/>
+            </p:spPr>
+            <p:style>
+              <a:lnRef idx="2">
+                <a:schemeClr val="accent1"/>
+              </a:lnRef>
+              <a:fillRef idx="1">
+                <a:schemeClr val="lt1"/>
+              </a:fillRef>
+              <a:effectRef idx="0">
+                <a:schemeClr val="accent1"/>
+              </a:effectRef>
+              <a:fontRef idx="minor">
+                <a:schemeClr val="dk1"/>
+              </a:fontRef>
+            </p:style>
+            <p:txBody>
+              <a:bodyPr vert="horz" wrap="square" lIns="91440" tIns="45720" rIns="91440" bIns="45720" numCol="1" rtlCol="0" anchor="ctr" anchorCtr="0" compatLnSpc="1">
+                <a:prstTxWarp prst="textNoShape">
+                  <a:avLst/>
+                </a:prstTxWarp>
+              </a:bodyPr>
+              <a:lstStyle/>
+              <a:p>
+                <a:pPr marL="0" marR="0" indent="0" algn="ctr" defTabSz="449263" rtl="0" eaLnBrk="1" fontAlgn="base" latinLnBrk="0" hangingPunct="1">
+                  <a:lnSpc>
+                    <a:spcPct val="100000"/>
+                  </a:lnSpc>
+                  <a:spcBef>
+                    <a:spcPct val="0"/>
+                  </a:spcBef>
+                  <a:spcAft>
+                    <a:spcPct val="0"/>
+                  </a:spcAft>
+                  <a:buClr>
+                    <a:srgbClr val="000000"/>
+                  </a:buClr>
+                  <a:buSzPct val="100000"/>
+                  <a:buFont typeface="Times New Roman" pitchFamily="16" charset="0"/>
+                  <a:buNone/>
+                  <a:tabLst/>
+                </a:pPr>
+                <a:r>
+                  <a:rPr kumimoji="0" lang="es-CO" sz="1800" b="0" i="0" u="sng" strike="noStrike" cap="none" normalizeH="0" baseline="0" dirty="0" smtClean="0">
+                    <a:ln>
+                      <a:noFill/>
+                    </a:ln>
+                    <a:solidFill>
+                      <a:schemeClr val="tx1"/>
+                    </a:solidFill>
+                    <a:effectLst/>
+                    <a:latin typeface="Calibri" pitchFamily="32" charset="0"/>
+                  </a:rPr>
+                  <a:t>Persona : </a:t>
+                </a:r>
+                <a:r>
+                  <a:rPr kumimoji="0" lang="es-CO" sz="1800" b="0" i="0" u="sng" strike="noStrike" cap="none" normalizeH="0" baseline="0" dirty="0" err="1" smtClean="0">
+                    <a:ln>
+                      <a:noFill/>
+                    </a:ln>
+                    <a:solidFill>
+                      <a:schemeClr val="tx1"/>
+                    </a:solidFill>
+                    <a:effectLst/>
+                    <a:latin typeface="Calibri" pitchFamily="32" charset="0"/>
+                  </a:rPr>
+                  <a:t>Class</a:t>
+                </a:r>
+                <a:endParaRPr kumimoji="0" lang="es-CO" sz="1800" b="0" i="0" u="sng" strike="noStrike" cap="none" normalizeH="0" baseline="0" dirty="0" smtClean="0">
+                  <a:ln>
+                    <a:noFill/>
+                  </a:ln>
+                  <a:solidFill>
+                    <a:schemeClr val="tx1"/>
+                  </a:solidFill>
+                  <a:effectLst/>
+                  <a:latin typeface="Calibri" pitchFamily="32" charset="0"/>
+                </a:endParaRPr>
+              </a:p>
+            </p:txBody>
+          </p:sp>
+          <p:sp>
+            <p:nvSpPr>
+              <p:cNvPr id="9" name="8 Rectángulo redondeado"/>
+              <p:cNvSpPr/>
+              <p:nvPr/>
+            </p:nvSpPr>
+            <p:spPr bwMode="auto">
+              <a:xfrm>
+                <a:off x="3611801" y="2928573"/>
+                <a:ext cx="2526479" cy="648072"/>
+              </a:xfrm>
+              <a:prstGeom prst="roundRect">
+                <a:avLst/>
+              </a:prstGeom>
+              <a:ln>
+                <a:headEnd type="none" w="med" len="med"/>
+                <a:tailEnd type="none" w="med" len="med"/>
+              </a:ln>
+              <a:extLst/>
+            </p:spPr>
+            <p:style>
+              <a:lnRef idx="2">
+                <a:schemeClr val="accent1"/>
+              </a:lnRef>
+              <a:fillRef idx="1">
+                <a:schemeClr val="lt1"/>
+              </a:fillRef>
+              <a:effectRef idx="0">
+                <a:schemeClr val="accent1"/>
+              </a:effectRef>
+              <a:fontRef idx="minor">
+                <a:schemeClr val="dk1"/>
+              </a:fontRef>
+            </p:style>
+            <p:txBody>
+              <a:bodyPr vert="horz" wrap="square" lIns="91440" tIns="45720" rIns="91440" bIns="45720" numCol="1" rtlCol="0" anchor="ctr" anchorCtr="0" compatLnSpc="1">
+                <a:prstTxWarp prst="textNoShape">
+                  <a:avLst/>
+                </a:prstTxWarp>
+              </a:bodyPr>
+              <a:lstStyle/>
+              <a:p>
+                <a:pPr marL="0" marR="0" indent="0" algn="ctr" defTabSz="449263" rtl="0" eaLnBrk="1" fontAlgn="base" latinLnBrk="0" hangingPunct="1">
+                  <a:lnSpc>
+                    <a:spcPct val="100000"/>
+                  </a:lnSpc>
+                  <a:spcBef>
+                    <a:spcPct val="0"/>
+                  </a:spcBef>
+                  <a:spcAft>
+                    <a:spcPct val="0"/>
+                  </a:spcAft>
+                  <a:buClr>
+                    <a:srgbClr val="000000"/>
+                  </a:buClr>
+                  <a:buSzPct val="100000"/>
+                  <a:buFont typeface="Times New Roman" pitchFamily="16" charset="0"/>
+                  <a:buNone/>
+                  <a:tabLst/>
+                </a:pPr>
+                <a:r>
+                  <a:rPr kumimoji="0" lang="es-CO" sz="1800" b="0" i="0" u="sng" strike="noStrike" cap="none" normalizeH="0" baseline="0" dirty="0" smtClean="0">
+                    <a:ln>
+                      <a:noFill/>
+                    </a:ln>
+                    <a:solidFill>
+                      <a:schemeClr val="tx1"/>
+                    </a:solidFill>
+                    <a:effectLst/>
+                    <a:latin typeface="Calibri" pitchFamily="32" charset="0"/>
+                  </a:rPr>
+                  <a:t>documento : </a:t>
+                </a:r>
+                <a:r>
+                  <a:rPr kumimoji="0" lang="es-CO" sz="1800" b="0" i="0" u="sng" strike="noStrike" cap="none" normalizeH="0" baseline="0" dirty="0" err="1" smtClean="0">
+                    <a:ln>
+                      <a:noFill/>
+                    </a:ln>
+                    <a:solidFill>
+                      <a:schemeClr val="tx1"/>
+                    </a:solidFill>
+                    <a:effectLst/>
+                    <a:latin typeface="Calibri" pitchFamily="32" charset="0"/>
+                  </a:rPr>
+                  <a:t>Attribute</a:t>
+                </a:r>
+                <a:endParaRPr kumimoji="0" lang="es-CO" sz="1800" b="0" i="0" u="sng" strike="noStrike" cap="none" normalizeH="0" baseline="0" dirty="0" smtClean="0">
+                  <a:ln>
+                    <a:noFill/>
+                  </a:ln>
+                  <a:solidFill>
+                    <a:schemeClr val="tx1"/>
+                  </a:solidFill>
+                  <a:effectLst/>
+                  <a:latin typeface="Calibri" pitchFamily="32" charset="0"/>
+                </a:endParaRPr>
+              </a:p>
+            </p:txBody>
+          </p:sp>
+          <p:sp>
+            <p:nvSpPr>
+              <p:cNvPr id="10" name="9 Rectángulo redondeado"/>
+              <p:cNvSpPr/>
+              <p:nvPr/>
+            </p:nvSpPr>
+            <p:spPr bwMode="auto">
+              <a:xfrm>
+                <a:off x="3639489" y="3789040"/>
+                <a:ext cx="2516687" cy="648072"/>
+              </a:xfrm>
+              <a:prstGeom prst="roundRect">
+                <a:avLst/>
+              </a:prstGeom>
+              <a:ln>
+                <a:headEnd type="none" w="med" len="med"/>
+                <a:tailEnd type="none" w="med" len="med"/>
+              </a:ln>
+              <a:extLst/>
+            </p:spPr>
+            <p:style>
+              <a:lnRef idx="2">
+                <a:schemeClr val="accent1"/>
+              </a:lnRef>
+              <a:fillRef idx="1">
+                <a:schemeClr val="lt1"/>
+              </a:fillRef>
+              <a:effectRef idx="0">
+                <a:schemeClr val="accent1"/>
+              </a:effectRef>
+              <a:fontRef idx="minor">
+                <a:schemeClr val="dk1"/>
+              </a:fontRef>
+            </p:style>
+            <p:txBody>
+              <a:bodyPr vert="horz" wrap="square" lIns="91440" tIns="45720" rIns="91440" bIns="45720" numCol="1" rtlCol="0" anchor="ctr" anchorCtr="0" compatLnSpc="1">
+                <a:prstTxWarp prst="textNoShape">
+                  <a:avLst/>
+                </a:prstTxWarp>
+              </a:bodyPr>
+              <a:lstStyle/>
+              <a:p>
+                <a:pPr marL="0" marR="0" indent="0" algn="ctr" defTabSz="449263" rtl="0" eaLnBrk="1" fontAlgn="base" latinLnBrk="0" hangingPunct="1">
+                  <a:lnSpc>
+                    <a:spcPct val="100000"/>
+                  </a:lnSpc>
+                  <a:spcBef>
+                    <a:spcPct val="0"/>
+                  </a:spcBef>
+                  <a:spcAft>
+                    <a:spcPct val="0"/>
+                  </a:spcAft>
+                  <a:buClr>
+                    <a:srgbClr val="000000"/>
+                  </a:buClr>
+                  <a:buSzPct val="100000"/>
+                  <a:buFont typeface="Times New Roman" pitchFamily="16" charset="0"/>
+                  <a:buNone/>
+                  <a:tabLst/>
+                </a:pPr>
+                <a:r>
+                  <a:rPr kumimoji="0" lang="es-CO" sz="1800" b="0" i="0" u="sng" strike="noStrike" cap="none" normalizeH="0" baseline="0" dirty="0" smtClean="0">
+                    <a:ln>
+                      <a:noFill/>
+                    </a:ln>
+                    <a:solidFill>
+                      <a:schemeClr val="tx1"/>
+                    </a:solidFill>
+                    <a:effectLst/>
+                    <a:latin typeface="Calibri" pitchFamily="32" charset="0"/>
+                  </a:rPr>
+                  <a:t>nombres : </a:t>
+                </a:r>
+                <a:r>
+                  <a:rPr kumimoji="0" lang="es-CO" sz="1800" b="0" i="0" u="sng" strike="noStrike" cap="none" normalizeH="0" baseline="0" dirty="0" err="1" smtClean="0">
+                    <a:ln>
+                      <a:noFill/>
+                    </a:ln>
+                    <a:solidFill>
+                      <a:schemeClr val="tx1"/>
+                    </a:solidFill>
+                    <a:effectLst/>
+                    <a:latin typeface="Calibri" pitchFamily="32" charset="0"/>
+                  </a:rPr>
+                  <a:t>Attribute</a:t>
+                </a:r>
+                <a:endParaRPr kumimoji="0" lang="es-CO" sz="1800" b="0" i="0" u="sng" strike="noStrike" cap="none" normalizeH="0" baseline="0" dirty="0" smtClean="0">
+                  <a:ln>
+                    <a:noFill/>
+                  </a:ln>
+                  <a:solidFill>
+                    <a:schemeClr val="tx1"/>
+                  </a:solidFill>
+                  <a:effectLst/>
+                  <a:latin typeface="Calibri" pitchFamily="32" charset="0"/>
+                </a:endParaRPr>
+              </a:p>
+            </p:txBody>
+          </p:sp>
+          <p:sp>
+            <p:nvSpPr>
+              <p:cNvPr id="11" name="10 Rectángulo redondeado"/>
+              <p:cNvSpPr/>
+              <p:nvPr/>
+            </p:nvSpPr>
+            <p:spPr bwMode="auto">
+              <a:xfrm>
+                <a:off x="3611801" y="4653136"/>
+                <a:ext cx="2526480" cy="648072"/>
+              </a:xfrm>
+              <a:prstGeom prst="roundRect">
+                <a:avLst/>
+              </a:prstGeom>
+              <a:ln>
+                <a:headEnd type="none" w="med" len="med"/>
+                <a:tailEnd type="none" w="med" len="med"/>
+              </a:ln>
+              <a:extLst/>
+            </p:spPr>
+            <p:style>
+              <a:lnRef idx="2">
+                <a:schemeClr val="accent1"/>
+              </a:lnRef>
+              <a:fillRef idx="1">
+                <a:schemeClr val="lt1"/>
+              </a:fillRef>
+              <a:effectRef idx="0">
+                <a:schemeClr val="accent1"/>
+              </a:effectRef>
+              <a:fontRef idx="minor">
+                <a:schemeClr val="dk1"/>
+              </a:fontRef>
+            </p:style>
+            <p:txBody>
+              <a:bodyPr vert="horz" wrap="square" lIns="91440" tIns="45720" rIns="91440" bIns="45720" numCol="1" rtlCol="0" anchor="ctr" anchorCtr="0" compatLnSpc="1">
+                <a:prstTxWarp prst="textNoShape">
+                  <a:avLst/>
+                </a:prstTxWarp>
+              </a:bodyPr>
+              <a:lstStyle/>
+              <a:p>
+                <a:pPr marL="0" marR="0" indent="0" algn="ctr" defTabSz="449263" rtl="0" eaLnBrk="1" fontAlgn="base" latinLnBrk="0" hangingPunct="1">
+                  <a:lnSpc>
+                    <a:spcPct val="100000"/>
+                  </a:lnSpc>
+                  <a:spcBef>
+                    <a:spcPct val="0"/>
+                  </a:spcBef>
+                  <a:spcAft>
+                    <a:spcPct val="0"/>
+                  </a:spcAft>
+                  <a:buClr>
+                    <a:srgbClr val="000000"/>
+                  </a:buClr>
+                  <a:buSzPct val="100000"/>
+                  <a:buFont typeface="Times New Roman" pitchFamily="16" charset="0"/>
+                  <a:buNone/>
+                  <a:tabLst/>
+                </a:pPr>
+                <a:r>
+                  <a:rPr kumimoji="0" lang="es-CO" sz="1800" b="0" i="0" u="sng" strike="noStrike" cap="none" normalizeH="0" baseline="0" dirty="0" smtClean="0">
+                    <a:ln>
+                      <a:noFill/>
+                    </a:ln>
+                    <a:solidFill>
+                      <a:schemeClr val="tx1"/>
+                    </a:solidFill>
+                    <a:effectLst/>
+                    <a:latin typeface="Calibri" pitchFamily="32" charset="0"/>
+                  </a:rPr>
+                  <a:t>apellidos : </a:t>
+                </a:r>
+                <a:r>
+                  <a:rPr kumimoji="0" lang="es-CO" sz="1800" b="0" i="0" u="sng" strike="noStrike" cap="none" normalizeH="0" baseline="0" dirty="0" err="1" smtClean="0">
+                    <a:ln>
+                      <a:noFill/>
+                    </a:ln>
+                    <a:solidFill>
+                      <a:schemeClr val="tx1"/>
+                    </a:solidFill>
+                    <a:effectLst/>
+                    <a:latin typeface="Calibri" pitchFamily="32" charset="0"/>
+                  </a:rPr>
+                  <a:t>Attribute</a:t>
+                </a:r>
+                <a:endParaRPr kumimoji="0" lang="es-CO" sz="1800" b="0" i="0" u="sng" strike="noStrike" cap="none" normalizeH="0" baseline="0" dirty="0" smtClean="0">
+                  <a:ln>
+                    <a:noFill/>
+                  </a:ln>
+                  <a:solidFill>
+                    <a:schemeClr val="tx1"/>
+                  </a:solidFill>
+                  <a:effectLst/>
+                  <a:latin typeface="Calibri" pitchFamily="32" charset="0"/>
+                </a:endParaRPr>
+              </a:p>
+            </p:txBody>
+          </p:sp>
+          <p:sp>
+            <p:nvSpPr>
+              <p:cNvPr id="12" name="11 Rectángulo redondeado"/>
+              <p:cNvSpPr/>
+              <p:nvPr/>
+            </p:nvSpPr>
+            <p:spPr bwMode="auto">
+              <a:xfrm>
+                <a:off x="3611801" y="5589240"/>
+                <a:ext cx="2526480" cy="648072"/>
+              </a:xfrm>
+              <a:prstGeom prst="roundRect">
+                <a:avLst/>
+              </a:prstGeom>
+              <a:ln>
+                <a:headEnd type="none" w="med" len="med"/>
+                <a:tailEnd type="none" w="med" len="med"/>
+              </a:ln>
+              <a:extLst/>
+            </p:spPr>
+            <p:style>
+              <a:lnRef idx="2">
+                <a:schemeClr val="accent1"/>
+              </a:lnRef>
+              <a:fillRef idx="1">
+                <a:schemeClr val="lt1"/>
+              </a:fillRef>
+              <a:effectRef idx="0">
+                <a:schemeClr val="accent1"/>
+              </a:effectRef>
+              <a:fontRef idx="minor">
+                <a:schemeClr val="dk1"/>
+              </a:fontRef>
+            </p:style>
+            <p:txBody>
+              <a:bodyPr vert="horz" wrap="square" lIns="91440" tIns="45720" rIns="91440" bIns="45720" numCol="1" rtlCol="0" anchor="ctr" anchorCtr="0" compatLnSpc="1">
+                <a:prstTxWarp prst="textNoShape">
+                  <a:avLst/>
+                </a:prstTxWarp>
+              </a:bodyPr>
+              <a:lstStyle/>
+              <a:p>
+                <a:pPr marL="0" marR="0" indent="0" algn="ctr" defTabSz="449263" rtl="0" eaLnBrk="1" fontAlgn="base" latinLnBrk="0" hangingPunct="1">
+                  <a:lnSpc>
+                    <a:spcPct val="100000"/>
+                  </a:lnSpc>
+                  <a:spcBef>
+                    <a:spcPct val="0"/>
+                  </a:spcBef>
+                  <a:spcAft>
+                    <a:spcPct val="0"/>
+                  </a:spcAft>
+                  <a:buClr>
+                    <a:srgbClr val="000000"/>
+                  </a:buClr>
+                  <a:buSzPct val="100000"/>
+                  <a:buFont typeface="Times New Roman" pitchFamily="16" charset="0"/>
+                  <a:buNone/>
+                  <a:tabLst/>
+                </a:pPr>
+                <a:r>
+                  <a:rPr kumimoji="0" lang="es-CO" sz="1800" b="0" i="0" u="sng" strike="noStrike" cap="none" normalizeH="0" baseline="0" dirty="0" smtClean="0">
+                    <a:ln>
+                      <a:noFill/>
+                    </a:ln>
+                    <a:solidFill>
+                      <a:schemeClr val="tx1"/>
+                    </a:solidFill>
+                    <a:effectLst/>
+                    <a:latin typeface="Calibri" pitchFamily="32" charset="0"/>
+                  </a:rPr>
+                  <a:t>Persona : </a:t>
+                </a:r>
+                <a:r>
+                  <a:rPr kumimoji="0" lang="es-CO" sz="1800" b="0" i="0" u="sng" strike="noStrike" cap="none" normalizeH="0" baseline="0" dirty="0" err="1" smtClean="0">
+                    <a:ln>
+                      <a:noFill/>
+                    </a:ln>
+                    <a:solidFill>
+                      <a:schemeClr val="tx1"/>
+                    </a:solidFill>
+                    <a:effectLst/>
+                    <a:latin typeface="Calibri" pitchFamily="32" charset="0"/>
+                  </a:rPr>
+                  <a:t>Operation</a:t>
+                </a:r>
+                <a:endParaRPr kumimoji="0" lang="es-CO" sz="1800" b="0" i="0" u="sng" strike="noStrike" cap="none" normalizeH="0" baseline="0" dirty="0" smtClean="0">
+                  <a:ln>
+                    <a:noFill/>
+                  </a:ln>
+                  <a:solidFill>
+                    <a:schemeClr val="tx1"/>
+                  </a:solidFill>
+                  <a:effectLst/>
+                  <a:latin typeface="Calibri" pitchFamily="32" charset="0"/>
+                </a:endParaRPr>
+              </a:p>
+            </p:txBody>
+          </p:sp>
+        </p:grpSp>
+        <p:sp>
+          <p:nvSpPr>
+            <p:cNvPr id="13" name="12 Flecha derecha"/>
+            <p:cNvSpPr/>
+            <p:nvPr/>
+          </p:nvSpPr>
+          <p:spPr bwMode="auto">
+            <a:xfrm>
+              <a:off x="6372200" y="3573016"/>
+              <a:ext cx="432073" cy="432048"/>
+            </a:xfrm>
+            <a:prstGeom prst="rightArrow">
+              <a:avLst/>
+            </a:prstGeom>
             <a:solidFill>
-              <a:schemeClr val="tx1"/>
+              <a:srgbClr val="00B8FF"/>
             </a:solidFill>
-            <a:prstDash val="solid"/>
-            <a:round/>
-            <a:headEnd type="none" w="med" len="med"/>
-            <a:tailEnd type="none" w="med" len="med"/>
-          </a:ln>
-          <a:effectLst/>
-          <a:extLst>
-            <a:ext uri="{AF507438-7753-43E0-B8FC-AC1667EBCBE1}">
-              <a14:hiddenEffects xmlns:a14="http://schemas.microsoft.com/office/drawing/2010/main">
-                <a:effectLst>
-                  <a:outerShdw dist="35921" dir="2700000" algn="ctr" rotWithShape="0">
-                    <a:schemeClr val="bg2"/>
-                  </a:outerShdw>
-                </a:effectLst>
-              </a14:hiddenEffects>
-            </a:ext>
-          </a:extLst>
-        </p:spPr>
-        <p:txBody>
-          <a:bodyPr vert="horz" wrap="square" lIns="91440" tIns="45720" rIns="91440" bIns="45720" numCol="1" rtlCol="0" anchor="t" anchorCtr="0" compatLnSpc="1">
-            <a:prstTxWarp prst="textNoShape">
+            <a:ln w="9525" cap="flat" cmpd="sng" algn="ctr">
+              <a:solidFill>
+                <a:schemeClr val="tx1"/>
+              </a:solidFill>
+              <a:prstDash val="solid"/>
+              <a:round/>
+              <a:headEnd type="none" w="med" len="med"/>
+              <a:tailEnd type="none" w="med" len="med"/>
+            </a:ln>
+            <a:effectLst/>
+            <a:extLst>
+              <a:ext uri="{AF507438-7753-43E0-B8FC-AC1667EBCBE1}">
+                <a14:hiddenEffects xmlns:a14="http://schemas.microsoft.com/office/drawing/2010/main">
+                  <a:effectLst>
+                    <a:outerShdw dist="35921" dir="2700000" algn="ctr" rotWithShape="0">
+                      <a:schemeClr val="bg2"/>
+                    </a:outerShdw>
+                  </a:effectLst>
+                </a14:hiddenEffects>
+              </a:ext>
+            </a:extLst>
+          </p:spPr>
+          <p:txBody>
+            <a:bodyPr vert="horz" wrap="square" lIns="91440" tIns="45720" rIns="91440" bIns="45720" numCol="1" rtlCol="0" anchor="t" anchorCtr="0" compatLnSpc="1">
+              <a:prstTxWarp prst="textNoShape">
+                <a:avLst/>
+              </a:prstTxWarp>
+            </a:bodyPr>
+            <a:lstStyle/>
+            <a:p>
+              <a:pPr marL="0" marR="0" indent="0" algn="l" defTabSz="449263" rtl="0" eaLnBrk="1" fontAlgn="base" latinLnBrk="0" hangingPunct="1">
+                <a:lnSpc>
+                  <a:spcPct val="100000"/>
+                </a:lnSpc>
+                <a:spcBef>
+                  <a:spcPct val="0"/>
+                </a:spcBef>
+                <a:spcAft>
+                  <a:spcPct val="0"/>
+                </a:spcAft>
+                <a:buClr>
+                  <a:srgbClr val="000000"/>
+                </a:buClr>
+                <a:buSzPct val="100000"/>
+                <a:buFont typeface="Times New Roman" pitchFamily="16" charset="0"/>
+                <a:buNone/>
+                <a:tabLst/>
+              </a:pPr>
+              <a:endParaRPr kumimoji="0" lang="es-CO" sz="1800" b="0" i="0" u="none" strike="noStrike" cap="none" normalizeH="0" baseline="0" smtClean="0">
+                <a:ln>
+                  <a:noFill/>
+                </a:ln>
+                <a:solidFill>
+                  <a:schemeClr val="bg1"/>
+                </a:solidFill>
+                <a:effectLst/>
+                <a:latin typeface="Calibri" pitchFamily="32" charset="0"/>
+              </a:endParaRPr>
+            </a:p>
+          </p:txBody>
+        </p:sp>
+        <p:pic>
+          <p:nvPicPr>
+            <p:cNvPr id="2052" name="Picture 4" descr="java large png icon"/>
+            <p:cNvPicPr>
+              <a:picLocks noChangeAspect="1" noChangeArrowheads="1"/>
+            </p:cNvPicPr>
+            <p:nvPr/>
+          </p:nvPicPr>
+          <p:blipFill>
+            <a:blip r:embed="rId4">
+              <a:extLst>
+                <a:ext uri="{28A0092B-C50C-407E-A947-70E740481C1C}">
+                  <a14:useLocalDpi xmlns:a14="http://schemas.microsoft.com/office/drawing/2010/main" val="0"/>
+                </a:ext>
+              </a:extLst>
+            </a:blip>
+            <a:srcRect/>
+            <a:stretch>
+              <a:fillRect/>
+            </a:stretch>
+          </p:blipFill>
+          <p:spPr bwMode="auto">
+            <a:xfrm>
+              <a:off x="6804248" y="3140089"/>
+              <a:ext cx="1219200" cy="1219201"/>
+            </a:xfrm>
+            <a:prstGeom prst="rect">
               <a:avLst/>
-            </a:prstTxWarp>
-          </a:bodyPr>
-          <a:lstStyle/>
-          <a:p>
-            <a:pPr marL="0" marR="0" indent="0" algn="l" defTabSz="449263" rtl="0" eaLnBrk="1" fontAlgn="base" latinLnBrk="0" hangingPunct="1">
-              <a:lnSpc>
-                <a:spcPct val="100000"/>
-              </a:lnSpc>
-              <a:spcBef>
-                <a:spcPct val="0"/>
-              </a:spcBef>
-              <a:spcAft>
-                <a:spcPct val="0"/>
-              </a:spcAft>
-              <a:buClr>
-                <a:srgbClr val="000000"/>
-              </a:buClr>
-              <a:buSzPct val="100000"/>
-              <a:buFont typeface="Times New Roman" pitchFamily="16" charset="0"/>
-              <a:buNone/>
-              <a:tabLst/>
-            </a:pPr>
-            <a:endParaRPr kumimoji="0" lang="es-CO" sz="1800" b="0" i="0" u="none" strike="noStrike" cap="none" normalizeH="0" baseline="0" smtClean="0">
+            </a:prstGeom>
+            <a:noFill/>
+            <a:extLst>
+              <a:ext uri="{909E8E84-426E-40DD-AFC4-6F175D3DCCD1}">
+                <a14:hiddenFill xmlns:a14="http://schemas.microsoft.com/office/drawing/2010/main">
+                  <a:solidFill>
+                    <a:srgbClr val="FFFFFF"/>
+                  </a:solidFill>
+                </a14:hiddenFill>
+              </a:ext>
+            </a:extLst>
+          </p:spPr>
+        </p:pic>
+        <p:sp>
+          <p:nvSpPr>
+            <p:cNvPr id="7" name="6 CuadroTexto"/>
+            <p:cNvSpPr txBox="1"/>
+            <p:nvPr/>
+          </p:nvSpPr>
+          <p:spPr>
+            <a:xfrm>
+              <a:off x="6876256" y="4395785"/>
+              <a:ext cx="1364669" cy="369332"/>
+            </a:xfrm>
+            <a:prstGeom prst="rect">
+              <a:avLst/>
+            </a:prstGeom>
+            <a:noFill/>
+          </p:spPr>
+          <p:txBody>
+            <a:bodyPr wrap="none" rtlCol="0">
+              <a:spAutoFit/>
+            </a:bodyPr>
+            <a:lstStyle/>
+            <a:p>
+              <a:r>
+                <a:rPr lang="es-CO" dirty="0" smtClean="0">
+                  <a:solidFill>
+                    <a:schemeClr val="tx1"/>
+                  </a:solidFill>
+                </a:rPr>
+                <a:t>Persona.java</a:t>
+              </a:r>
+              <a:endParaRPr lang="es-CO" dirty="0">
+                <a:solidFill>
+                  <a:schemeClr val="tx1"/>
+                </a:solidFill>
+              </a:endParaRPr>
+            </a:p>
+          </p:txBody>
+        </p:sp>
+        <p:grpSp>
+          <p:nvGrpSpPr>
+            <p:cNvPr id="15" name="14 Grupo"/>
+            <p:cNvGrpSpPr/>
+            <p:nvPr/>
+          </p:nvGrpSpPr>
+          <p:grpSpPr>
+            <a:xfrm>
+              <a:off x="827584" y="2806037"/>
+              <a:ext cx="2077153" cy="2204316"/>
+              <a:chOff x="870644" y="2806037"/>
+              <a:chExt cx="2077153" cy="2204316"/>
+            </a:xfrm>
+          </p:grpSpPr>
+          <p:pic>
+            <p:nvPicPr>
+              <p:cNvPr id="1027" name="Picture 3"/>
+              <p:cNvPicPr>
+                <a:picLocks noChangeAspect="1" noChangeArrowheads="1"/>
+              </p:cNvPicPr>
+              <p:nvPr/>
+            </p:nvPicPr>
+            <p:blipFill>
+              <a:blip r:embed="rId5">
+                <a:extLst>
+                  <a:ext uri="{28A0092B-C50C-407E-A947-70E740481C1C}">
+                    <a14:useLocalDpi xmlns:a14="http://schemas.microsoft.com/office/drawing/2010/main" val="0"/>
+                  </a:ext>
+                </a:extLst>
+              </a:blip>
+              <a:srcRect/>
+              <a:stretch>
+                <a:fillRect/>
+              </a:stretch>
+            </p:blipFill>
+            <p:spPr bwMode="auto">
+              <a:xfrm>
+                <a:off x="870644" y="2806037"/>
+                <a:ext cx="1986824" cy="1974406"/>
+              </a:xfrm>
+              <a:prstGeom prst="rect">
+                <a:avLst/>
+              </a:prstGeom>
+              <a:noFill/>
               <a:ln>
                 <a:noFill/>
               </a:ln>
-              <a:solidFill>
-                <a:schemeClr val="bg1"/>
-              </a:solidFill>
               <a:effectLst/>
-              <a:latin typeface="Calibri" pitchFamily="32" charset="0"/>
-            </a:endParaRPr>
-          </a:p>
-        </p:txBody>
-      </p:sp>
-      <p:sp>
-        <p:nvSpPr>
-          <p:cNvPr id="6" name="5 Rectángulo redondeado"/>
-          <p:cNvSpPr/>
-          <p:nvPr/>
-        </p:nvSpPr>
-        <p:spPr bwMode="auto">
-          <a:xfrm>
-            <a:off x="3611801" y="2060848"/>
-            <a:ext cx="2506894" cy="648072"/>
-          </a:xfrm>
-          <a:prstGeom prst="roundRect">
-            <a:avLst/>
-          </a:prstGeom>
-          <a:ln>
-            <a:headEnd type="none" w="med" len="med"/>
-            <a:tailEnd type="none" w="med" len="med"/>
-          </a:ln>
-          <a:extLst/>
-        </p:spPr>
-        <p:style>
-          <a:lnRef idx="2">
-            <a:schemeClr val="accent1"/>
-          </a:lnRef>
-          <a:fillRef idx="1">
-            <a:schemeClr val="lt1"/>
-          </a:fillRef>
-          <a:effectRef idx="0">
-            <a:schemeClr val="accent1"/>
-          </a:effectRef>
-          <a:fontRef idx="minor">
-            <a:schemeClr val="dk1"/>
-          </a:fontRef>
-        </p:style>
-        <p:txBody>
-          <a:bodyPr vert="horz" wrap="square" lIns="91440" tIns="45720" rIns="91440" bIns="45720" numCol="1" rtlCol="0" anchor="ctr" anchorCtr="0" compatLnSpc="1">
-            <a:prstTxWarp prst="textNoShape">
-              <a:avLst/>
-            </a:prstTxWarp>
-          </a:bodyPr>
-          <a:lstStyle/>
-          <a:p>
-            <a:pPr marL="0" marR="0" indent="0" algn="ctr" defTabSz="449263" rtl="0" eaLnBrk="1" fontAlgn="base" latinLnBrk="0" hangingPunct="1">
-              <a:lnSpc>
-                <a:spcPct val="100000"/>
-              </a:lnSpc>
-              <a:spcBef>
-                <a:spcPct val="0"/>
-              </a:spcBef>
-              <a:spcAft>
-                <a:spcPct val="0"/>
-              </a:spcAft>
-              <a:buClr>
-                <a:srgbClr val="000000"/>
-              </a:buClr>
-              <a:buSzPct val="100000"/>
-              <a:buFont typeface="Times New Roman" pitchFamily="16" charset="0"/>
-              <a:buNone/>
-              <a:tabLst/>
-            </a:pPr>
-            <a:r>
-              <a:rPr kumimoji="0" lang="es-CO" sz="1800" b="0" i="0" u="sng" strike="noStrike" cap="none" normalizeH="0" baseline="0" dirty="0" smtClean="0">
-                <a:ln>
-                  <a:noFill/>
-                </a:ln>
-                <a:solidFill>
-                  <a:schemeClr val="tx1"/>
-                </a:solidFill>
-                <a:effectLst/>
-                <a:latin typeface="Calibri" pitchFamily="32" charset="0"/>
-              </a:rPr>
-              <a:t>Persona : </a:t>
-            </a:r>
-            <a:r>
-              <a:rPr kumimoji="0" lang="es-CO" sz="1800" b="0" i="0" u="sng" strike="noStrike" cap="none" normalizeH="0" baseline="0" dirty="0" err="1" smtClean="0">
-                <a:ln>
-                  <a:noFill/>
-                </a:ln>
-                <a:solidFill>
-                  <a:schemeClr val="tx1"/>
-                </a:solidFill>
-                <a:effectLst/>
-                <a:latin typeface="Calibri" pitchFamily="32" charset="0"/>
-              </a:rPr>
-              <a:t>Class</a:t>
-            </a:r>
-            <a:endParaRPr kumimoji="0" lang="es-CO" sz="1800" b="0" i="0" u="sng" strike="noStrike" cap="none" normalizeH="0" baseline="0" dirty="0" smtClean="0">
-              <a:ln>
-                <a:noFill/>
-              </a:ln>
-              <a:solidFill>
-                <a:schemeClr val="tx1"/>
-              </a:solidFill>
-              <a:effectLst/>
-              <a:latin typeface="Calibri" pitchFamily="32" charset="0"/>
-            </a:endParaRPr>
-          </a:p>
-        </p:txBody>
-      </p:sp>
-      <p:sp>
-        <p:nvSpPr>
-          <p:cNvPr id="9" name="8 Rectángulo redondeado"/>
-          <p:cNvSpPr/>
-          <p:nvPr/>
-        </p:nvSpPr>
-        <p:spPr bwMode="auto">
-          <a:xfrm>
-            <a:off x="3611801" y="2928573"/>
-            <a:ext cx="2526479" cy="648072"/>
-          </a:xfrm>
-          <a:prstGeom prst="roundRect">
-            <a:avLst/>
-          </a:prstGeom>
-          <a:ln>
-            <a:headEnd type="none" w="med" len="med"/>
-            <a:tailEnd type="none" w="med" len="med"/>
-          </a:ln>
-          <a:extLst/>
-        </p:spPr>
-        <p:style>
-          <a:lnRef idx="2">
-            <a:schemeClr val="accent1"/>
-          </a:lnRef>
-          <a:fillRef idx="1">
-            <a:schemeClr val="lt1"/>
-          </a:fillRef>
-          <a:effectRef idx="0">
-            <a:schemeClr val="accent1"/>
-          </a:effectRef>
-          <a:fontRef idx="minor">
-            <a:schemeClr val="dk1"/>
-          </a:fontRef>
-        </p:style>
-        <p:txBody>
-          <a:bodyPr vert="horz" wrap="square" lIns="91440" tIns="45720" rIns="91440" bIns="45720" numCol="1" rtlCol="0" anchor="ctr" anchorCtr="0" compatLnSpc="1">
-            <a:prstTxWarp prst="textNoShape">
-              <a:avLst/>
-            </a:prstTxWarp>
-          </a:bodyPr>
-          <a:lstStyle/>
-          <a:p>
-            <a:pPr marL="0" marR="0" indent="0" algn="ctr" defTabSz="449263" rtl="0" eaLnBrk="1" fontAlgn="base" latinLnBrk="0" hangingPunct="1">
-              <a:lnSpc>
-                <a:spcPct val="100000"/>
-              </a:lnSpc>
-              <a:spcBef>
-                <a:spcPct val="0"/>
-              </a:spcBef>
-              <a:spcAft>
-                <a:spcPct val="0"/>
-              </a:spcAft>
-              <a:buClr>
-                <a:srgbClr val="000000"/>
-              </a:buClr>
-              <a:buSzPct val="100000"/>
-              <a:buFont typeface="Times New Roman" pitchFamily="16" charset="0"/>
-              <a:buNone/>
-              <a:tabLst/>
-            </a:pPr>
-            <a:r>
-              <a:rPr kumimoji="0" lang="es-CO" sz="1800" b="0" i="0" u="sng" strike="noStrike" cap="none" normalizeH="0" baseline="0" dirty="0" smtClean="0">
-                <a:ln>
-                  <a:noFill/>
-                </a:ln>
-                <a:solidFill>
-                  <a:schemeClr val="tx1"/>
-                </a:solidFill>
-                <a:effectLst/>
-                <a:latin typeface="Calibri" pitchFamily="32" charset="0"/>
-              </a:rPr>
-              <a:t>documento : </a:t>
-            </a:r>
-            <a:r>
-              <a:rPr kumimoji="0" lang="es-CO" sz="1800" b="0" i="0" u="sng" strike="noStrike" cap="none" normalizeH="0" baseline="0" dirty="0" err="1" smtClean="0">
-                <a:ln>
-                  <a:noFill/>
-                </a:ln>
-                <a:solidFill>
-                  <a:schemeClr val="tx1"/>
-                </a:solidFill>
-                <a:effectLst/>
-                <a:latin typeface="Calibri" pitchFamily="32" charset="0"/>
-              </a:rPr>
-              <a:t>Attribute</a:t>
-            </a:r>
-            <a:endParaRPr kumimoji="0" lang="es-CO" sz="1800" b="0" i="0" u="sng" strike="noStrike" cap="none" normalizeH="0" baseline="0" dirty="0" smtClean="0">
-              <a:ln>
-                <a:noFill/>
-              </a:ln>
-              <a:solidFill>
-                <a:schemeClr val="tx1"/>
-              </a:solidFill>
-              <a:effectLst/>
-              <a:latin typeface="Calibri" pitchFamily="32" charset="0"/>
-            </a:endParaRPr>
-          </a:p>
-        </p:txBody>
-      </p:sp>
-      <p:sp>
-        <p:nvSpPr>
-          <p:cNvPr id="10" name="9 Rectángulo redondeado"/>
-          <p:cNvSpPr/>
-          <p:nvPr/>
-        </p:nvSpPr>
-        <p:spPr bwMode="auto">
-          <a:xfrm>
-            <a:off x="3639489" y="3789040"/>
-            <a:ext cx="2516687" cy="648072"/>
-          </a:xfrm>
-          <a:prstGeom prst="roundRect">
-            <a:avLst/>
-          </a:prstGeom>
-          <a:ln>
-            <a:headEnd type="none" w="med" len="med"/>
-            <a:tailEnd type="none" w="med" len="med"/>
-          </a:ln>
-          <a:extLst/>
-        </p:spPr>
-        <p:style>
-          <a:lnRef idx="2">
-            <a:schemeClr val="accent1"/>
-          </a:lnRef>
-          <a:fillRef idx="1">
-            <a:schemeClr val="lt1"/>
-          </a:fillRef>
-          <a:effectRef idx="0">
-            <a:schemeClr val="accent1"/>
-          </a:effectRef>
-          <a:fontRef idx="minor">
-            <a:schemeClr val="dk1"/>
-          </a:fontRef>
-        </p:style>
-        <p:txBody>
-          <a:bodyPr vert="horz" wrap="square" lIns="91440" tIns="45720" rIns="91440" bIns="45720" numCol="1" rtlCol="0" anchor="ctr" anchorCtr="0" compatLnSpc="1">
-            <a:prstTxWarp prst="textNoShape">
-              <a:avLst/>
-            </a:prstTxWarp>
-          </a:bodyPr>
-          <a:lstStyle/>
-          <a:p>
-            <a:pPr marL="0" marR="0" indent="0" algn="ctr" defTabSz="449263" rtl="0" eaLnBrk="1" fontAlgn="base" latinLnBrk="0" hangingPunct="1">
-              <a:lnSpc>
-                <a:spcPct val="100000"/>
-              </a:lnSpc>
-              <a:spcBef>
-                <a:spcPct val="0"/>
-              </a:spcBef>
-              <a:spcAft>
-                <a:spcPct val="0"/>
-              </a:spcAft>
-              <a:buClr>
-                <a:srgbClr val="000000"/>
-              </a:buClr>
-              <a:buSzPct val="100000"/>
-              <a:buFont typeface="Times New Roman" pitchFamily="16" charset="0"/>
-              <a:buNone/>
-              <a:tabLst/>
-            </a:pPr>
-            <a:r>
-              <a:rPr kumimoji="0" lang="es-CO" sz="1800" b="0" i="0" u="sng" strike="noStrike" cap="none" normalizeH="0" baseline="0" dirty="0" smtClean="0">
-                <a:ln>
-                  <a:noFill/>
-                </a:ln>
-                <a:solidFill>
-                  <a:schemeClr val="tx1"/>
-                </a:solidFill>
-                <a:effectLst/>
-                <a:latin typeface="Calibri" pitchFamily="32" charset="0"/>
-              </a:rPr>
-              <a:t>nombres : </a:t>
-            </a:r>
-            <a:r>
-              <a:rPr kumimoji="0" lang="es-CO" sz="1800" b="0" i="0" u="sng" strike="noStrike" cap="none" normalizeH="0" baseline="0" dirty="0" err="1" smtClean="0">
-                <a:ln>
-                  <a:noFill/>
-                </a:ln>
-                <a:solidFill>
-                  <a:schemeClr val="tx1"/>
-                </a:solidFill>
-                <a:effectLst/>
-                <a:latin typeface="Calibri" pitchFamily="32" charset="0"/>
-              </a:rPr>
-              <a:t>Attribute</a:t>
-            </a:r>
-            <a:endParaRPr kumimoji="0" lang="es-CO" sz="1800" b="0" i="0" u="sng" strike="noStrike" cap="none" normalizeH="0" baseline="0" dirty="0" smtClean="0">
-              <a:ln>
-                <a:noFill/>
-              </a:ln>
-              <a:solidFill>
-                <a:schemeClr val="tx1"/>
-              </a:solidFill>
-              <a:effectLst/>
-              <a:latin typeface="Calibri" pitchFamily="32" charset="0"/>
-            </a:endParaRPr>
-          </a:p>
-        </p:txBody>
-      </p:sp>
-      <p:sp>
-        <p:nvSpPr>
-          <p:cNvPr id="11" name="10 Rectángulo redondeado"/>
-          <p:cNvSpPr/>
-          <p:nvPr/>
-        </p:nvSpPr>
-        <p:spPr bwMode="auto">
-          <a:xfrm>
-            <a:off x="3611801" y="4653136"/>
-            <a:ext cx="2526480" cy="648072"/>
-          </a:xfrm>
-          <a:prstGeom prst="roundRect">
-            <a:avLst/>
-          </a:prstGeom>
-          <a:ln>
-            <a:headEnd type="none" w="med" len="med"/>
-            <a:tailEnd type="none" w="med" len="med"/>
-          </a:ln>
-          <a:extLst/>
-        </p:spPr>
-        <p:style>
-          <a:lnRef idx="2">
-            <a:schemeClr val="accent1"/>
-          </a:lnRef>
-          <a:fillRef idx="1">
-            <a:schemeClr val="lt1"/>
-          </a:fillRef>
-          <a:effectRef idx="0">
-            <a:schemeClr val="accent1"/>
-          </a:effectRef>
-          <a:fontRef idx="minor">
-            <a:schemeClr val="dk1"/>
-          </a:fontRef>
-        </p:style>
-        <p:txBody>
-          <a:bodyPr vert="horz" wrap="square" lIns="91440" tIns="45720" rIns="91440" bIns="45720" numCol="1" rtlCol="0" anchor="ctr" anchorCtr="0" compatLnSpc="1">
-            <a:prstTxWarp prst="textNoShape">
-              <a:avLst/>
-            </a:prstTxWarp>
-          </a:bodyPr>
-          <a:lstStyle/>
-          <a:p>
-            <a:pPr marL="0" marR="0" indent="0" algn="ctr" defTabSz="449263" rtl="0" eaLnBrk="1" fontAlgn="base" latinLnBrk="0" hangingPunct="1">
-              <a:lnSpc>
-                <a:spcPct val="100000"/>
-              </a:lnSpc>
-              <a:spcBef>
-                <a:spcPct val="0"/>
-              </a:spcBef>
-              <a:spcAft>
-                <a:spcPct val="0"/>
-              </a:spcAft>
-              <a:buClr>
-                <a:srgbClr val="000000"/>
-              </a:buClr>
-              <a:buSzPct val="100000"/>
-              <a:buFont typeface="Times New Roman" pitchFamily="16" charset="0"/>
-              <a:buNone/>
-              <a:tabLst/>
-            </a:pPr>
-            <a:r>
-              <a:rPr kumimoji="0" lang="es-CO" sz="1800" b="0" i="0" u="sng" strike="noStrike" cap="none" normalizeH="0" baseline="0" dirty="0" smtClean="0">
-                <a:ln>
-                  <a:noFill/>
-                </a:ln>
-                <a:solidFill>
-                  <a:schemeClr val="tx1"/>
-                </a:solidFill>
-                <a:effectLst/>
-                <a:latin typeface="Calibri" pitchFamily="32" charset="0"/>
-              </a:rPr>
-              <a:t>apellidos : </a:t>
-            </a:r>
-            <a:r>
-              <a:rPr kumimoji="0" lang="es-CO" sz="1800" b="0" i="0" u="sng" strike="noStrike" cap="none" normalizeH="0" baseline="0" dirty="0" err="1" smtClean="0">
-                <a:ln>
-                  <a:noFill/>
-                </a:ln>
-                <a:solidFill>
-                  <a:schemeClr val="tx1"/>
-                </a:solidFill>
-                <a:effectLst/>
-                <a:latin typeface="Calibri" pitchFamily="32" charset="0"/>
-              </a:rPr>
-              <a:t>Attribute</a:t>
-            </a:r>
-            <a:endParaRPr kumimoji="0" lang="es-CO" sz="1800" b="0" i="0" u="sng" strike="noStrike" cap="none" normalizeH="0" baseline="0" dirty="0" smtClean="0">
-              <a:ln>
-                <a:noFill/>
-              </a:ln>
-              <a:solidFill>
-                <a:schemeClr val="tx1"/>
-              </a:solidFill>
-              <a:effectLst/>
-              <a:latin typeface="Calibri" pitchFamily="32" charset="0"/>
-            </a:endParaRPr>
-          </a:p>
-        </p:txBody>
-      </p:sp>
-      <p:sp>
-        <p:nvSpPr>
-          <p:cNvPr id="12" name="11 Rectángulo redondeado"/>
-          <p:cNvSpPr/>
-          <p:nvPr/>
-        </p:nvSpPr>
-        <p:spPr bwMode="auto">
-          <a:xfrm>
-            <a:off x="3611801" y="5589240"/>
-            <a:ext cx="2526480" cy="648072"/>
-          </a:xfrm>
-          <a:prstGeom prst="roundRect">
-            <a:avLst/>
-          </a:prstGeom>
-          <a:ln>
-            <a:headEnd type="none" w="med" len="med"/>
-            <a:tailEnd type="none" w="med" len="med"/>
-          </a:ln>
-          <a:extLst/>
-        </p:spPr>
-        <p:style>
-          <a:lnRef idx="2">
-            <a:schemeClr val="accent1"/>
-          </a:lnRef>
-          <a:fillRef idx="1">
-            <a:schemeClr val="lt1"/>
-          </a:fillRef>
-          <a:effectRef idx="0">
-            <a:schemeClr val="accent1"/>
-          </a:effectRef>
-          <a:fontRef idx="minor">
-            <a:schemeClr val="dk1"/>
-          </a:fontRef>
-        </p:style>
-        <p:txBody>
-          <a:bodyPr vert="horz" wrap="square" lIns="91440" tIns="45720" rIns="91440" bIns="45720" numCol="1" rtlCol="0" anchor="ctr" anchorCtr="0" compatLnSpc="1">
-            <a:prstTxWarp prst="textNoShape">
-              <a:avLst/>
-            </a:prstTxWarp>
-          </a:bodyPr>
-          <a:lstStyle/>
-          <a:p>
-            <a:pPr marL="0" marR="0" indent="0" algn="ctr" defTabSz="449263" rtl="0" eaLnBrk="1" fontAlgn="base" latinLnBrk="0" hangingPunct="1">
-              <a:lnSpc>
-                <a:spcPct val="100000"/>
-              </a:lnSpc>
-              <a:spcBef>
-                <a:spcPct val="0"/>
-              </a:spcBef>
-              <a:spcAft>
-                <a:spcPct val="0"/>
-              </a:spcAft>
-              <a:buClr>
-                <a:srgbClr val="000000"/>
-              </a:buClr>
-              <a:buSzPct val="100000"/>
-              <a:buFont typeface="Times New Roman" pitchFamily="16" charset="0"/>
-              <a:buNone/>
-              <a:tabLst/>
-            </a:pPr>
-            <a:r>
-              <a:rPr kumimoji="0" lang="es-CO" sz="1800" b="0" i="0" u="sng" strike="noStrike" cap="none" normalizeH="0" baseline="0" dirty="0" smtClean="0">
-                <a:ln>
-                  <a:noFill/>
-                </a:ln>
-                <a:solidFill>
-                  <a:schemeClr val="tx1"/>
-                </a:solidFill>
-                <a:effectLst/>
-                <a:latin typeface="Calibri" pitchFamily="32" charset="0"/>
-              </a:rPr>
-              <a:t>Persona : </a:t>
-            </a:r>
-            <a:r>
-              <a:rPr kumimoji="0" lang="es-CO" sz="1800" b="0" i="0" u="sng" strike="noStrike" cap="none" normalizeH="0" baseline="0" dirty="0" err="1" smtClean="0">
-                <a:ln>
-                  <a:noFill/>
-                </a:ln>
-                <a:solidFill>
-                  <a:schemeClr val="tx1"/>
-                </a:solidFill>
-                <a:effectLst/>
-                <a:latin typeface="Calibri" pitchFamily="32" charset="0"/>
-              </a:rPr>
-              <a:t>Operation</a:t>
-            </a:r>
-            <a:endParaRPr kumimoji="0" lang="es-CO" sz="1800" b="0" i="0" u="sng" strike="noStrike" cap="none" normalizeH="0" baseline="0" dirty="0" smtClean="0">
-              <a:ln>
-                <a:noFill/>
-              </a:ln>
-              <a:solidFill>
-                <a:schemeClr val="tx1"/>
-              </a:solidFill>
-              <a:effectLst/>
-              <a:latin typeface="Calibri" pitchFamily="32" charset="0"/>
-            </a:endParaRPr>
-          </a:p>
-        </p:txBody>
-      </p:sp>
-      <p:sp>
-        <p:nvSpPr>
-          <p:cNvPr id="13" name="12 Flecha derecha"/>
-          <p:cNvSpPr/>
-          <p:nvPr/>
-        </p:nvSpPr>
-        <p:spPr bwMode="auto">
-          <a:xfrm>
-            <a:off x="6516216" y="3689097"/>
-            <a:ext cx="432073" cy="432048"/>
-          </a:xfrm>
-          <a:prstGeom prst="rightArrow">
-            <a:avLst/>
-          </a:prstGeom>
-          <a:solidFill>
-            <a:srgbClr val="00B8FF"/>
-          </a:solidFill>
-          <a:ln w="9525" cap="flat" cmpd="sng" algn="ctr">
-            <a:solidFill>
-              <a:schemeClr val="tx1"/>
-            </a:solidFill>
-            <a:prstDash val="solid"/>
-            <a:round/>
-            <a:headEnd type="none" w="med" len="med"/>
-            <a:tailEnd type="none" w="med" len="med"/>
-          </a:ln>
-          <a:effectLst/>
-          <a:extLst>
-            <a:ext uri="{AF507438-7753-43E0-B8FC-AC1667EBCBE1}">
-              <a14:hiddenEffects xmlns:a14="http://schemas.microsoft.com/office/drawing/2010/main">
-                <a:effectLst>
-                  <a:outerShdw dist="35921" dir="2700000" algn="ctr" rotWithShape="0">
-                    <a:schemeClr val="bg2"/>
-                  </a:outerShdw>
-                </a:effectLst>
-              </a14:hiddenEffects>
-            </a:ext>
-          </a:extLst>
-        </p:spPr>
-        <p:txBody>
-          <a:bodyPr vert="horz" wrap="square" lIns="91440" tIns="45720" rIns="91440" bIns="45720" numCol="1" rtlCol="0" anchor="t" anchorCtr="0" compatLnSpc="1">
-            <a:prstTxWarp prst="textNoShape">
-              <a:avLst/>
-            </a:prstTxWarp>
-          </a:bodyPr>
-          <a:lstStyle/>
-          <a:p>
-            <a:pPr marL="0" marR="0" indent="0" algn="l" defTabSz="449263" rtl="0" eaLnBrk="1" fontAlgn="base" latinLnBrk="0" hangingPunct="1">
-              <a:lnSpc>
-                <a:spcPct val="100000"/>
-              </a:lnSpc>
-              <a:spcBef>
-                <a:spcPct val="0"/>
-              </a:spcBef>
-              <a:spcAft>
-                <a:spcPct val="0"/>
-              </a:spcAft>
-              <a:buClr>
-                <a:srgbClr val="000000"/>
-              </a:buClr>
-              <a:buSzPct val="100000"/>
-              <a:buFont typeface="Times New Roman" pitchFamily="16" charset="0"/>
-              <a:buNone/>
-              <a:tabLst/>
-            </a:pPr>
-            <a:endParaRPr kumimoji="0" lang="es-CO" sz="1800" b="0" i="0" u="none" strike="noStrike" cap="none" normalizeH="0" baseline="0" smtClean="0">
-              <a:ln>
-                <a:noFill/>
-              </a:ln>
-              <a:solidFill>
-                <a:schemeClr val="bg1"/>
-              </a:solidFill>
-              <a:effectLst/>
-              <a:latin typeface="Calibri" pitchFamily="32" charset="0"/>
-            </a:endParaRPr>
-          </a:p>
-        </p:txBody>
-      </p:sp>
-      <p:pic>
-        <p:nvPicPr>
-          <p:cNvPr id="2052" name="Picture 4" descr="java large png icon"/>
-          <p:cNvPicPr>
-            <a:picLocks noChangeAspect="1" noChangeArrowheads="1"/>
-          </p:cNvPicPr>
-          <p:nvPr/>
-        </p:nvPicPr>
-        <p:blipFill>
-          <a:blip r:embed="rId5">
-            <a:extLst>
-              <a:ext uri="{28A0092B-C50C-407E-A947-70E740481C1C}">
-                <a14:useLocalDpi xmlns:a14="http://schemas.microsoft.com/office/drawing/2010/main" val="0"/>
-              </a:ext>
-            </a:extLst>
-          </a:blip>
-          <a:srcRect/>
-          <a:stretch>
-            <a:fillRect/>
-          </a:stretch>
-        </p:blipFill>
-        <p:spPr bwMode="auto">
-          <a:xfrm>
-            <a:off x="7357211" y="3140968"/>
-            <a:ext cx="1219200" cy="1219201"/>
-          </a:xfrm>
-          <a:prstGeom prst="rect">
-            <a:avLst/>
-          </a:prstGeom>
-          <a:noFill/>
-          <a:extLst>
-            <a:ext uri="{909E8E84-426E-40DD-AFC4-6F175D3DCCD1}">
-              <a14:hiddenFill xmlns:a14="http://schemas.microsoft.com/office/drawing/2010/main">
-                <a:solidFill>
-                  <a:srgbClr val="FFFFFF"/>
-                </a:solidFill>
-              </a14:hiddenFill>
-            </a:ext>
-          </a:extLst>
-        </p:spPr>
-      </p:pic>
-      <p:sp>
-        <p:nvSpPr>
-          <p:cNvPr id="7" name="6 CuadroTexto"/>
-          <p:cNvSpPr txBox="1"/>
-          <p:nvPr/>
-        </p:nvSpPr>
-        <p:spPr>
-          <a:xfrm>
-            <a:off x="7284476" y="4395785"/>
-            <a:ext cx="1364669" cy="369332"/>
-          </a:xfrm>
-          <a:prstGeom prst="rect">
-            <a:avLst/>
-          </a:prstGeom>
-          <a:noFill/>
-        </p:spPr>
-        <p:txBody>
-          <a:bodyPr wrap="none" rtlCol="0">
-            <a:spAutoFit/>
-          </a:bodyPr>
-          <a:lstStyle/>
-          <a:p>
-            <a:r>
-              <a:rPr lang="es-CO" dirty="0" smtClean="0">
-                <a:solidFill>
-                  <a:schemeClr val="tx1"/>
-                </a:solidFill>
-              </a:rPr>
-              <a:t>Persona.java</a:t>
-            </a:r>
-            <a:endParaRPr lang="es-CO" dirty="0">
-              <a:solidFill>
-                <a:schemeClr val="tx1"/>
-              </a:solidFill>
-            </a:endParaRPr>
-          </a:p>
-        </p:txBody>
-      </p:sp>
+              <a:extLst>
+                <a:ext uri="{909E8E84-426E-40DD-AFC4-6F175D3DCCD1}">
+                  <a14:hiddenFill xmlns:a14="http://schemas.microsoft.com/office/drawing/2010/main">
+                    <a:solidFill>
+                      <a:schemeClr val="accent1"/>
+                    </a:solidFill>
+                  </a14:hiddenFill>
+                </a:ext>
+                <a:ext uri="{91240B29-F687-4F45-9708-019B960494DF}">
+                  <a14:hiddenLine xmlns:a14="http://schemas.microsoft.com/office/drawing/2010/main" w="9525">
+                    <a:solidFill>
+                      <a:schemeClr val="tx1"/>
+                    </a:solidFill>
+                    <a:miter lim="800000"/>
+                    <a:headEnd/>
+                    <a:tailEnd/>
+                  </a14:hiddenLine>
+                </a:ext>
+                <a:ext uri="{AF507438-7753-43E0-B8FC-AC1667EBCBE1}">
+                  <a14:hiddenEffects xmlns:a14="http://schemas.microsoft.com/office/drawing/2010/main">
+                    <a:effectLst>
+                      <a:outerShdw dist="35921" dir="2700000" algn="ctr" rotWithShape="0">
+                        <a:schemeClr val="bg2"/>
+                      </a:outerShdw>
+                    </a:effectLst>
+                  </a14:hiddenEffects>
+                </a:ext>
+              </a:extLst>
+            </p:spPr>
+          </p:pic>
+          <p:pic>
+            <p:nvPicPr>
+              <p:cNvPr id="4" name="Picture 2" descr="dati legge190"/>
+              <p:cNvPicPr>
+                <a:picLocks noChangeAspect="1" noChangeArrowheads="1"/>
+              </p:cNvPicPr>
+              <p:nvPr/>
+            </p:nvPicPr>
+            <p:blipFill>
+              <a:blip r:embed="rId6">
+                <a:extLst>
+                  <a:ext uri="{28A0092B-C50C-407E-A947-70E740481C1C}">
+                    <a14:useLocalDpi xmlns:a14="http://schemas.microsoft.com/office/drawing/2010/main" val="0"/>
+                  </a:ext>
+                </a:extLst>
+              </a:blip>
+              <a:srcRect/>
+              <a:stretch>
+                <a:fillRect/>
+              </a:stretch>
+            </p:blipFill>
+            <p:spPr bwMode="auto">
+              <a:xfrm>
+                <a:off x="2233363" y="4295918"/>
+                <a:ext cx="714434" cy="714435"/>
+              </a:xfrm>
+              <a:prstGeom prst="rect">
+                <a:avLst/>
+              </a:prstGeom>
+              <a:noFill/>
+              <a:extLst>
+                <a:ext uri="{909E8E84-426E-40DD-AFC4-6F175D3DCCD1}">
+                  <a14:hiddenFill xmlns:a14="http://schemas.microsoft.com/office/drawing/2010/main">
+                    <a:solidFill>
+                      <a:srgbClr val="FFFFFF"/>
+                    </a:solidFill>
+                  </a14:hiddenFill>
+                </a:ext>
+              </a:extLst>
+            </p:spPr>
+          </p:pic>
+        </p:grpSp>
+      </p:grpSp>
     </p:spTree>
     <p:extLst>
       <p:ext uri="{BB962C8B-B14F-4D97-AF65-F5344CB8AC3E}">
@@ -21128,15 +21224,7 @@
                   <a:schemeClr val="tx1"/>
                 </a:solidFill>
               </a:rPr>
-              <a:t> </a:t>
-            </a:r>
-            <a:r>
-              <a:rPr lang="es-CO" sz="2400" dirty="0" smtClean="0">
-                <a:solidFill>
-                  <a:schemeClr val="tx1"/>
-                </a:solidFill>
-              </a:rPr>
-              <a:t>del código fuente</a:t>
+              <a:t> del código fuente</a:t>
             </a:r>
             <a:endParaRPr lang="es-CO" sz="2400" dirty="0">
               <a:solidFill>
